--- a/17-unsupervised-learning.pptx
+++ b/17-unsupervised-learning.pptx
@@ -5,7 +5,7 @@
     <p:sldMasterId id="2147483660" r:id="rId1"/>
   </p:sldMasterIdLst>
   <p:notesMasterIdLst>
-    <p:notesMasterId r:id="rId23"/>
+    <p:notesMasterId r:id="rId22"/>
   </p:notesMasterIdLst>
   <p:sldIdLst>
     <p:sldId id="256" r:id="rId2"/>
@@ -27,8 +27,7 @@
     <p:sldId id="272" r:id="rId18"/>
     <p:sldId id="273" r:id="rId19"/>
     <p:sldId id="274" r:id="rId20"/>
-    <p:sldId id="276" r:id="rId21"/>
-    <p:sldId id="277" r:id="rId22"/>
+    <p:sldId id="277" r:id="rId21"/>
   </p:sldIdLst>
   <p:sldSz cx="9144000" cy="6858000" type="screen4x3"/>
   <p:notesSz cx="6858000" cy="9144000"/>
@@ -261,6 +260,11 @@
       </a:defRPr>
     </a:lvl9pPr>
   </p:defaultTextStyle>
+  <p:extLst>
+    <p:ext uri="{EFAFB233-063F-42B5-8137-9DF3F51BA10A}">
+      <p15:sldGuideLst xmlns:p15="http://schemas.microsoft.com/office/powerpoint/2012/main"/>
+    </p:ext>
+  </p:extLst>
 </p:presentation>
 </file>
 
@@ -12712,117 +12716,6 @@
   <p:cSld>
     <p:spTree>
       <p:nvGrpSpPr>
-        <p:cNvPr id="1" name=""/>
-        <p:cNvGrpSpPr/>
-        <p:nvPr/>
-      </p:nvGrpSpPr>
-      <p:grpSpPr>
-        <a:xfrm>
-          <a:off x="0" y="0"/>
-          <a:ext cx="0" cy="0"/>
-          <a:chOff x="0" y="0"/>
-          <a:chExt cx="0" cy="0"/>
-        </a:xfrm>
-      </p:grpSpPr>
-      <p:sp>
-        <p:nvSpPr>
-          <p:cNvPr id="2" name="Title 1"/>
-          <p:cNvSpPr>
-            <a:spLocks noGrp="1"/>
-          </p:cNvSpPr>
-          <p:nvPr>
-            <p:ph type="title"/>
-          </p:nvPr>
-        </p:nvSpPr>
-        <p:spPr/>
-        <p:txBody>
-          <a:bodyPr/>
-          <a:lstStyle/>
-          <a:p>
-            <a:r>
-              <a:rPr lang="en-US" dirty="0" smtClean="0"/>
-              <a:t>Thursday 4/19 - Quantum Computing Demo</a:t>
-            </a:r>
-            <a:endParaRPr lang="en-US" dirty="0"/>
-          </a:p>
-        </p:txBody>
-      </p:sp>
-      <p:sp>
-        <p:nvSpPr>
-          <p:cNvPr id="3" name="Text Placeholder 2"/>
-          <p:cNvSpPr>
-            <a:spLocks noGrp="1"/>
-          </p:cNvSpPr>
-          <p:nvPr>
-            <p:ph type="body" idx="1"/>
-          </p:nvPr>
-        </p:nvSpPr>
-        <p:spPr/>
-        <p:txBody>
-          <a:bodyPr/>
-          <a:lstStyle/>
-          <a:p>
-            <a:r>
-              <a:rPr lang="en-US" dirty="0" smtClean="0"/>
-              <a:t>We will have a guest speaker on Thursday 4/19</a:t>
-            </a:r>
-          </a:p>
-          <a:p>
-            <a:r>
-              <a:rPr lang="en-US" dirty="0" smtClean="0"/>
-              <a:t>Lecture and lab on quantum computing</a:t>
-            </a:r>
-          </a:p>
-          <a:p>
-            <a:r>
-              <a:rPr lang="en-US" dirty="0" smtClean="0"/>
-              <a:t>Please sign up for an account before the lecture:</a:t>
-            </a:r>
-          </a:p>
-          <a:p>
-            <a:pPr lvl="1"/>
-            <a:r>
-              <a:rPr lang="en-US" dirty="0">
-                <a:hlinkClick r:id="rId2"/>
-              </a:rPr>
-              <a:t>http://research.ibm.com/ibm-q/quantum-card-test</a:t>
-            </a:r>
-            <a:r>
-              <a:rPr lang="en-US" dirty="0" smtClean="0">
-                <a:hlinkClick r:id="rId2"/>
-              </a:rPr>
-              <a:t>/</a:t>
-            </a:r>
-            <a:endParaRPr lang="en-US" dirty="0" smtClean="0"/>
-          </a:p>
-          <a:p>
-            <a:pPr lvl="1"/>
-            <a:r>
-              <a:rPr lang="en-US" dirty="0" smtClean="0"/>
-              <a:t>Bottom of page under ‘Experiment’</a:t>
-            </a:r>
-            <a:endParaRPr lang="en-US" dirty="0"/>
-          </a:p>
-        </p:txBody>
-      </p:sp>
-    </p:spTree>
-    <p:extLst>
-      <p:ext uri="{BB962C8B-B14F-4D97-AF65-F5344CB8AC3E}">
-        <p14:creationId xmlns:p14="http://schemas.microsoft.com/office/powerpoint/2010/main" val="1479452671"/>
-      </p:ext>
-    </p:extLst>
-  </p:cSld>
-  <p:clrMapOvr>
-    <a:masterClrMapping/>
-  </p:clrMapOvr>
-</p:sld>
-</file>
-
-<file path=ppt/slides/slide21.xml><?xml version="1.0" encoding="utf-8"?>
-<p:sld xmlns:a="http://schemas.openxmlformats.org/drawingml/2006/main" xmlns:r="http://schemas.openxmlformats.org/officeDocument/2006/relationships" xmlns:p="http://schemas.openxmlformats.org/presentationml/2006/main">
-  <p:cSld>
-    <p:spTree>
-      <p:nvGrpSpPr>
         <p:cNvPr id="1" name="Shape 199"/>
         <p:cNvGrpSpPr/>
         <p:nvPr/>
@@ -12881,7 +12774,7 @@
         <p:spPr>
           <a:xfrm>
             <a:off x="311700" y="2009725"/>
-            <a:ext cx="8520600" cy="3416400"/>
+            <a:ext cx="8520600" cy="4616362"/>
           </a:xfrm>
           <a:prstGeom prst="rect">
             <a:avLst/>
@@ -12889,7 +12782,7 @@
         </p:spPr>
         <p:txBody>
           <a:bodyPr spcFirstLastPara="1" wrap="square" lIns="91425" tIns="91425" rIns="91425" bIns="91425" anchor="t" anchorCtr="0">
-            <a:noAutofit/>
+            <a:normAutofit fontScale="92500" lnSpcReduction="10000"/>
           </a:bodyPr>
           <a:lstStyle/>
           <a:p>
@@ -12898,19 +12791,31 @@
             </a:pPr>
             <a:r>
               <a:rPr lang="en" dirty="0"/>
-              <a:t>Final project proposals are due on Monday </a:t>
+              <a:t>Final project proposals are due on </a:t>
+            </a:r>
+            <a:r>
+              <a:rPr lang="en-US" dirty="0" smtClean="0"/>
+              <a:t>Monday </a:t>
             </a:r>
             <a:r>
               <a:rPr lang="en" dirty="0" smtClean="0"/>
-              <a:t>4/2</a:t>
+              <a:t>4/</a:t>
             </a:r>
             <a:r>
               <a:rPr lang="en-US" dirty="0" smtClean="0"/>
-              <a:t>3</a:t>
+              <a:t>15</a:t>
+            </a:r>
+            <a:r>
+              <a:rPr lang="en-US" dirty="0"/>
+              <a:t> </a:t>
+            </a:r>
+            <a:r>
+              <a:rPr lang="en-US" dirty="0" smtClean="0"/>
+              <a:t>in Sakai</a:t>
             </a:r>
             <a:r>
               <a:rPr lang="en" dirty="0" smtClean="0"/>
-              <a:t>.  </a:t>
+              <a:t> </a:t>
             </a:r>
             <a:endParaRPr dirty="0"/>
           </a:p>
@@ -12922,8 +12827,16 @@
               <a:buNone/>
             </a:pPr>
             <a:r>
+              <a:rPr lang="en-US" dirty="0" smtClean="0"/>
+              <a:t>The </a:t>
+            </a:r>
+            <a:r>
+              <a:rPr lang="en" dirty="0" smtClean="0"/>
+              <a:t>final </a:t>
+            </a:r>
+            <a:r>
               <a:rPr lang="en" dirty="0"/>
-              <a:t>As in the midterm a final project could be a (team) app </a:t>
+              <a:t>project could be a (team) app </a:t>
             </a:r>
             <a:r>
               <a:rPr lang="en" dirty="0" smtClean="0"/>
@@ -12939,7 +12852,27 @@
             </a:r>
             <a:r>
               <a:rPr lang="en" dirty="0"/>
-              <a:t>script that implements some non-trivial functionality with/without visualization) or it can be an individual analysis project.  </a:t>
+              <a:t>script that implements some non-trivial functionality with/without </a:t>
+            </a:r>
+            <a:r>
+              <a:rPr lang="en" dirty="0" smtClean="0"/>
+              <a:t>visualization</a:t>
+            </a:r>
+            <a:r>
+              <a:rPr lang="en-US" dirty="0" smtClean="0"/>
+              <a:t> or an app built on your </a:t>
+            </a:r>
+            <a:r>
+              <a:rPr lang="en-US" smtClean="0"/>
+              <a:t>favorite platform</a:t>
+            </a:r>
+            <a:r>
+              <a:rPr lang="en" smtClean="0"/>
+              <a:t>) </a:t>
+            </a:r>
+            <a:r>
+              <a:rPr lang="en" dirty="0"/>
+              <a:t>or it can be an individual analysis project.  </a:t>
             </a:r>
             <a:endParaRPr dirty="0"/>
           </a:p>
@@ -12987,13 +12920,78 @@
             </a:r>
             <a:r>
               <a:rPr lang="en-US" dirty="0" smtClean="0"/>
-              <a:t> regression </a:t>
-            </a:r>
-            <a:r>
-              <a:rPr lang="en-US" smtClean="0"/>
-              <a:t>or clustering</a:t>
-            </a:r>
-            <a:endParaRPr dirty="0"/>
+              <a:t> </a:t>
+            </a:r>
+            <a:r>
+              <a:rPr lang="en-US" dirty="0" smtClean="0"/>
+              <a:t>classification, regression </a:t>
+            </a:r>
+            <a:r>
+              <a:rPr lang="en-US" dirty="0" smtClean="0"/>
+              <a:t>or </a:t>
+            </a:r>
+            <a:r>
+              <a:rPr lang="en-US" dirty="0" smtClean="0"/>
+              <a:t>clustering</a:t>
+            </a:r>
+          </a:p>
+          <a:p>
+            <a:pPr marL="0" indent="0">
+              <a:spcBef>
+                <a:spcPts val="1600"/>
+              </a:spcBef>
+              <a:spcAft>
+                <a:spcPts val="1600"/>
+              </a:spcAft>
+              <a:buNone/>
+            </a:pPr>
+            <a:r>
+              <a:rPr lang="en-US" dirty="0" smtClean="0"/>
+              <a:t>1 to 2 page project summary:</a:t>
+            </a:r>
+            <a:r>
+              <a:rPr lang="en-US" dirty="0"/>
+              <a:t/>
+            </a:r>
+            <a:br>
+              <a:rPr lang="en-US" dirty="0"/>
+            </a:br>
+            <a:r>
+              <a:rPr lang="en-US" dirty="0" smtClean="0"/>
+              <a:t>* Introduction</a:t>
+            </a:r>
+            <a:r>
+              <a:rPr lang="en-US" dirty="0"/>
+              <a:t/>
+            </a:r>
+            <a:br>
+              <a:rPr lang="en-US" dirty="0"/>
+            </a:br>
+            <a:r>
+              <a:rPr lang="en-US" dirty="0" smtClean="0"/>
+              <a:t>* Architecture/data used</a:t>
+            </a:r>
+            <a:br>
+              <a:rPr lang="en-US" dirty="0" smtClean="0"/>
+            </a:br>
+            <a:r>
+              <a:rPr lang="en-US" dirty="0" smtClean="0"/>
+              <a:t>* Technology used</a:t>
+            </a:r>
+            <a:br>
+              <a:rPr lang="en-US" dirty="0" smtClean="0"/>
+            </a:br>
+            <a:r>
+              <a:rPr lang="en-US" dirty="0" smtClean="0"/>
+              <a:t>* Milestone schedule</a:t>
+            </a:r>
+            <a:br>
+              <a:rPr lang="en-US" dirty="0" smtClean="0"/>
+            </a:br>
+            <a:r>
+              <a:rPr lang="en-US" dirty="0" smtClean="0"/>
+              <a:t>* Team members and responsibilities if applicable</a:t>
+            </a:r>
           </a:p>
         </p:txBody>
       </p:sp>

--- a/17-unsupervised-learning.pptx
+++ b/17-unsupervised-learning.pptx
@@ -9881,20 +9881,52 @@
               <a:buNone/>
             </a:pPr>
             <a:r>
-              <a:rPr lang="en-US"/>
-              <a:t>import matplotlib.pyplot as plt</a:t>
+              <a:rPr lang="en-US" dirty="0"/>
+              <a:t>import </a:t>
+            </a:r>
+            <a:r>
+              <a:rPr lang="en-US" dirty="0" err="1"/>
+              <a:t>matplotlib.pyplot</a:t>
+            </a:r>
+            <a:r>
+              <a:rPr lang="en-US" dirty="0"/>
+              <a:t> as </a:t>
+            </a:r>
+            <a:r>
+              <a:rPr lang="en-US" dirty="0" err="1"/>
+              <a:t>plt</a:t>
+            </a:r>
+            <a:r>
+              <a:rPr lang="en-US" dirty="0"/>
+              <a:t/>
             </a:r>
             <a:br>
-              <a:rPr lang="en-US"/>
+              <a:rPr lang="en-US" dirty="0"/>
             </a:br>
             <a:r>
-              <a:rPr lang="en-US"/>
-              <a:t>from sklearn.cluster import KMeans</a:t>
+              <a:rPr lang="en-US" dirty="0"/>
+              <a:t>from </a:t>
+            </a:r>
+            <a:r>
+              <a:rPr lang="en-US" dirty="0" err="1"/>
+              <a:t>sklearn.cluster</a:t>
+            </a:r>
+            <a:r>
+              <a:rPr lang="en-US" dirty="0"/>
+              <a:t> import </a:t>
+            </a:r>
+            <a:r>
+              <a:rPr lang="en-US" dirty="0" err="1"/>
+              <a:t>KMeans</a:t>
+            </a:r>
+            <a:r>
+              <a:rPr lang="en-US" dirty="0"/>
+              <a:t/>
             </a:r>
             <a:br>
-              <a:rPr lang="en-US"/>
+              <a:rPr lang="en-US" dirty="0"/>
             </a:br>
-            <a:endParaRPr/>
+            <a:endParaRPr dirty="0"/>
           </a:p>
           <a:p>
             <a:pPr marL="0" lvl="0" indent="0">
@@ -9907,17 +9939,61 @@
               <a:buNone/>
             </a:pPr>
             <a:r>
-              <a:rPr lang="en-US"/>
-              <a:t>labels = KMeans(6, random_state=0).fit_predict(X)</a:t>
+              <a:rPr lang="en-US" dirty="0"/>
+              <a:t>labels = </a:t>
+            </a:r>
+            <a:r>
+              <a:rPr lang="en-US" dirty="0" err="1"/>
+              <a:t>KMeans</a:t>
+            </a:r>
+            <a:r>
+              <a:rPr lang="en-US" dirty="0"/>
+              <a:t>(6, </a:t>
+            </a:r>
+            <a:r>
+              <a:rPr lang="en-US" dirty="0" err="1"/>
+              <a:t>random_state</a:t>
+            </a:r>
+            <a:r>
+              <a:rPr lang="en-US" dirty="0"/>
+              <a:t>=0).</a:t>
+            </a:r>
+            <a:r>
+              <a:rPr lang="en-US" dirty="0" err="1"/>
+              <a:t>fit_predict</a:t>
+            </a:r>
+            <a:r>
+              <a:rPr lang="en-US" dirty="0"/>
+              <a:t>(X)</a:t>
             </a:r>
             <a:br>
-              <a:rPr lang="en-US"/>
+              <a:rPr lang="en-US" dirty="0"/>
             </a:br>
             <a:r>
-              <a:rPr lang="en-US"/>
-              <a:t>plt.scatter(X[:, 0], X[:, 1], c=labels, s=50, cmap='viridis')</a:t>
-            </a:r>
-            <a:endParaRPr/>
+              <a:rPr lang="en-US" dirty="0" err="1"/>
+              <a:t>plt.scatter</a:t>
+            </a:r>
+            <a:r>
+              <a:rPr lang="en-US" dirty="0"/>
+              <a:t>(X[:, 0], X[:, 1], c=labels, s=50, </a:t>
+            </a:r>
+            <a:r>
+              <a:rPr lang="en-US" dirty="0" err="1"/>
+              <a:t>cmap</a:t>
+            </a:r>
+            <a:r>
+              <a:rPr lang="en-US" dirty="0"/>
+              <a:t>='</a:t>
+            </a:r>
+            <a:r>
+              <a:rPr lang="en-US" dirty="0" err="1"/>
+              <a:t>viridis</a:t>
+            </a:r>
+            <a:r>
+              <a:rPr lang="en-US" dirty="0"/>
+              <a:t>')</a:t>
+            </a:r>
+            <a:endParaRPr dirty="0"/>
           </a:p>
           <a:p>
             <a:pPr marL="0" lvl="0" indent="0">
@@ -9930,10 +10006,14 @@
               <a:buNone/>
             </a:pPr>
             <a:r>
-              <a:rPr lang="en-US"/>
-              <a:t>plt.show()</a:t>
-            </a:r>
-            <a:endParaRPr/>
+              <a:rPr lang="en-US" dirty="0" err="1"/>
+              <a:t>plt.show</a:t>
+            </a:r>
+            <a:r>
+              <a:rPr lang="en-US" dirty="0"/>
+              <a:t>()</a:t>
+            </a:r>
+            <a:endParaRPr dirty="0"/>
           </a:p>
         </p:txBody>
       </p:sp>
@@ -10691,10 +10771,22 @@
               <a:buNone/>
             </a:pPr>
             <a:r>
-              <a:rPr lang="en-US"/>
-              <a:t>import matplotlib.pyplot as plt</a:t>
-            </a:r>
-            <a:endParaRPr/>
+              <a:rPr lang="en-US" dirty="0"/>
+              <a:t>import </a:t>
+            </a:r>
+            <a:r>
+              <a:rPr lang="en-US" dirty="0" err="1"/>
+              <a:t>matplotlib.pyplot</a:t>
+            </a:r>
+            <a:r>
+              <a:rPr lang="en-US" dirty="0"/>
+              <a:t> as </a:t>
+            </a:r>
+            <a:r>
+              <a:rPr lang="en-US" dirty="0" err="1"/>
+              <a:t>plt</a:t>
+            </a:r>
+            <a:endParaRPr dirty="0"/>
           </a:p>
           <a:p>
             <a:pPr marL="0" lvl="0" indent="0">
@@ -10707,10 +10799,22 @@
               <a:buNone/>
             </a:pPr>
             <a:r>
-              <a:rPr lang="en-US"/>
-              <a:t>from sklearn.cluster import KMeans</a:t>
-            </a:r>
-            <a:endParaRPr/>
+              <a:rPr lang="en-US" dirty="0"/>
+              <a:t>from </a:t>
+            </a:r>
+            <a:r>
+              <a:rPr lang="en-US" dirty="0" err="1"/>
+              <a:t>sklearn.cluster</a:t>
+            </a:r>
+            <a:r>
+              <a:rPr lang="en-US" dirty="0"/>
+              <a:t> import </a:t>
+            </a:r>
+            <a:r>
+              <a:rPr lang="en-US" dirty="0" err="1"/>
+              <a:t>KMeans</a:t>
+            </a:r>
+            <a:endParaRPr dirty="0"/>
           </a:p>
           <a:p>
             <a:pPr marL="0" lvl="0" indent="0">
@@ -10723,13 +10827,29 @@
               <a:buNone/>
             </a:pPr>
             <a:r>
-              <a:rPr lang="en-US"/>
-              <a:t>from sklearn.datasets import make_moons</a:t>
+              <a:rPr lang="en-US" dirty="0"/>
+              <a:t>from </a:t>
+            </a:r>
+            <a:r>
+              <a:rPr lang="en-US" dirty="0" err="1"/>
+              <a:t>sklearn.datasets</a:t>
+            </a:r>
+            <a:r>
+              <a:rPr lang="en-US" dirty="0"/>
+              <a:t> import </a:t>
+            </a:r>
+            <a:r>
+              <a:rPr lang="en-US" dirty="0" err="1"/>
+              <a:t>make_moons</a:t>
+            </a:r>
+            <a:r>
+              <a:rPr lang="en-US" dirty="0"/>
+              <a:t/>
             </a:r>
             <a:br>
-              <a:rPr lang="en-US"/>
+              <a:rPr lang="en-US" dirty="0"/>
             </a:br>
-            <a:endParaRPr/>
+            <a:endParaRPr dirty="0"/>
           </a:p>
           <a:p>
             <a:pPr marL="0" lvl="0" indent="0">
@@ -10742,24 +10862,84 @@
               <a:buNone/>
             </a:pPr>
             <a:r>
-              <a:rPr lang="en-US"/>
-              <a:t>X, y = make_moons(200, noise=.05, random_state=0)</a:t>
+              <a:rPr lang="en-US" dirty="0"/>
+              <a:t>X, y = </a:t>
+            </a:r>
+            <a:r>
+              <a:rPr lang="en-US" dirty="0" err="1"/>
+              <a:t>make_moons</a:t>
+            </a:r>
+            <a:r>
+              <a:rPr lang="en-US" dirty="0"/>
+              <a:t>(200, noise=.05, </a:t>
+            </a:r>
+            <a:r>
+              <a:rPr lang="en-US" dirty="0" err="1"/>
+              <a:t>random_state</a:t>
+            </a:r>
+            <a:r>
+              <a:rPr lang="en-US" dirty="0"/>
+              <a:t>=0)</a:t>
             </a:r>
             <a:br>
-              <a:rPr lang="en-US"/>
+              <a:rPr lang="en-US" dirty="0"/>
             </a:br>
             <a:r>
-              <a:rPr lang="en-US"/>
-              <a:t>labels = KMeans(2, random_state=0).fit_predict(X)</a:t>
+              <a:rPr lang="en-US" dirty="0"/>
+              <a:t>labels = </a:t>
+            </a:r>
+            <a:r>
+              <a:rPr lang="en-US" dirty="0" err="1"/>
+              <a:t>KMeans</a:t>
+            </a:r>
+            <a:r>
+              <a:rPr lang="en-US" dirty="0"/>
+              <a:t>(2, </a:t>
+            </a:r>
+            <a:r>
+              <a:rPr lang="en-US" dirty="0" err="1"/>
+              <a:t>random_state</a:t>
+            </a:r>
+            <a:r>
+              <a:rPr lang="en-US" dirty="0"/>
+              <a:t>=0).</a:t>
+            </a:r>
+            <a:r>
+              <a:rPr lang="en-US" dirty="0" err="1"/>
+              <a:t>fit_predict</a:t>
+            </a:r>
+            <a:r>
+              <a:rPr lang="en-US" dirty="0"/>
+              <a:t>(X)</a:t>
             </a:r>
             <a:br>
-              <a:rPr lang="en-US"/>
+              <a:rPr lang="en-US" dirty="0"/>
             </a:br>
             <a:r>
-              <a:rPr lang="en-US"/>
-              <a:t>plt.scatter(X[:, 0], X[:, 1], c=labels, s=50, cmap='viridis');</a:t>
-            </a:r>
-            <a:endParaRPr/>
+              <a:rPr lang="en-US" dirty="0" err="1"/>
+              <a:t>plt.scatter</a:t>
+            </a:r>
+            <a:r>
+              <a:rPr lang="en-US" dirty="0"/>
+              <a:t>(X[:, 0], X[:, 1], c=labels, s=50, </a:t>
+            </a:r>
+            <a:r>
+              <a:rPr lang="en-US" dirty="0" err="1"/>
+              <a:t>cmap</a:t>
+            </a:r>
+            <a:r>
+              <a:rPr lang="en-US" dirty="0"/>
+              <a:t>='</a:t>
+            </a:r>
+            <a:r>
+              <a:rPr lang="en-US" dirty="0" err="1"/>
+              <a:t>viridis</a:t>
+            </a:r>
+            <a:r>
+              <a:rPr lang="en-US" dirty="0"/>
+              <a:t>');</a:t>
+            </a:r>
+            <a:endParaRPr dirty="0"/>
           </a:p>
         </p:txBody>
       </p:sp>
@@ -12860,14 +13040,10 @@
             </a:r>
             <a:r>
               <a:rPr lang="en-US" dirty="0" smtClean="0"/>
-              <a:t> or an app built on your </a:t>
-            </a:r>
-            <a:r>
-              <a:rPr lang="en-US" smtClean="0"/>
-              <a:t>favorite platform</a:t>
-            </a:r>
-            <a:r>
-              <a:rPr lang="en" smtClean="0"/>
+              <a:t> or an app built on your favorite platform</a:t>
+            </a:r>
+            <a:r>
+              <a:rPr lang="en" dirty="0" smtClean="0"/>
               <a:t>) </a:t>
             </a:r>
             <a:r>
@@ -13766,6 +13942,43 @@
           </a:ln>
         </p:spPr>
       </p:pic>
+      <p:sp>
+        <p:nvSpPr>
+          <p:cNvPr id="2" name="TextBox 1"/>
+          <p:cNvSpPr txBox="1"/>
+          <p:nvPr/>
+        </p:nvSpPr>
+        <p:spPr>
+          <a:xfrm>
+            <a:off x="424070" y="5420139"/>
+            <a:ext cx="2483372" cy="523220"/>
+          </a:xfrm>
+          <a:prstGeom prst="rect">
+            <a:avLst/>
+          </a:prstGeom>
+          <a:noFill/>
+        </p:spPr>
+        <p:txBody>
+          <a:bodyPr wrap="none" rtlCol="0">
+            <a:spAutoFit/>
+          </a:bodyPr>
+          <a:lstStyle/>
+          <a:p>
+            <a:r>
+              <a:rPr lang="en-US" smtClean="0"/>
+              <a:t>Note: code for the slides is in</a:t>
+            </a:r>
+            <a:br>
+              <a:rPr lang="en-US" smtClean="0"/>
+            </a:br>
+            <a:r>
+              <a:rPr lang="en-US" smtClean="0"/>
+              <a:t>notebook 17a.</a:t>
+            </a:r>
+            <a:endParaRPr lang="en-US"/>
+          </a:p>
+        </p:txBody>
+      </p:sp>
     </p:spTree>
   </p:cSld>
   <p:clrMapOvr>
@@ -13876,7 +14089,7 @@
               <a:buNone/>
             </a:pPr>
             <a:r>
-              <a:rPr lang="en-US" b="1">
+              <a:rPr lang="en-US" b="1" dirty="0">
                 <a:solidFill>
                   <a:schemeClr val="dk1"/>
                 </a:solidFill>
@@ -13884,7 +14097,7 @@
               <a:t>from</a:t>
             </a:r>
             <a:r>
-              <a:rPr lang="en-US">
+              <a:rPr lang="en-US" dirty="0">
                 <a:solidFill>
                   <a:schemeClr val="dk1"/>
                 </a:solidFill>
@@ -13892,7 +14105,7 @@
               <a:t> </a:t>
             </a:r>
             <a:r>
-              <a:rPr lang="en-US" b="1">
+              <a:rPr lang="en-US" b="1" dirty="0" err="1">
                 <a:solidFill>
                   <a:schemeClr val="dk1"/>
                 </a:solidFill>
@@ -13900,7 +14113,7 @@
               <a:t>sklearn.cluster</a:t>
             </a:r>
             <a:r>
-              <a:rPr lang="en-US">
+              <a:rPr lang="en-US" dirty="0">
                 <a:solidFill>
                   <a:schemeClr val="dk1"/>
                 </a:solidFill>
@@ -13908,7 +14121,7 @@
               <a:t> </a:t>
             </a:r>
             <a:r>
-              <a:rPr lang="en-US" b="1">
+              <a:rPr lang="en-US" b="1" dirty="0">
                 <a:solidFill>
                   <a:schemeClr val="dk1"/>
                 </a:solidFill>
@@ -13916,14 +14129,22 @@
               <a:t>import</a:t>
             </a:r>
             <a:r>
-              <a:rPr lang="en-US">
+              <a:rPr lang="en-US" dirty="0">
                 <a:solidFill>
                   <a:schemeClr val="dk1"/>
                 </a:solidFill>
               </a:rPr>
-              <a:t> KMeans</a:t>
-            </a:r>
-            <a:endParaRPr>
+              <a:t> </a:t>
+            </a:r>
+            <a:r>
+              <a:rPr lang="en-US" dirty="0" err="1">
+                <a:solidFill>
+                  <a:schemeClr val="dk1"/>
+                </a:solidFill>
+              </a:rPr>
+              <a:t>KMeans</a:t>
+            </a:r>
+            <a:endParaRPr dirty="0">
               <a:solidFill>
                 <a:schemeClr val="dk1"/>
               </a:solidFill>
@@ -13940,22 +14161,54 @@
               <a:buNone/>
             </a:pPr>
             <a:r>
-              <a:rPr lang="en-US">
+              <a:rPr lang="en-US" dirty="0" err="1">
                 <a:solidFill>
                   <a:schemeClr val="dk1"/>
                 </a:solidFill>
               </a:rPr>
-              <a:t>kmeans = </a:t>
-            </a:r>
-            <a:r>
-              <a:rPr lang="en-US">
+              <a:t>kmeans</a:t>
+            </a:r>
+            <a:r>
+              <a:rPr lang="en-US" dirty="0">
+                <a:solidFill>
+                  <a:schemeClr val="dk1"/>
+                </a:solidFill>
+              </a:rPr>
+              <a:t> = </a:t>
+            </a:r>
+            <a:r>
+              <a:rPr lang="en-US" dirty="0" err="1">
                 <a:solidFill>
                   <a:srgbClr val="FF0000"/>
                 </a:solidFill>
               </a:rPr>
-              <a:t>KMeans(n_clusters=4)</a:t>
-            </a:r>
-            <a:endParaRPr>
+              <a:t>KMeans</a:t>
+            </a:r>
+            <a:r>
+              <a:rPr lang="en-US" dirty="0">
+                <a:solidFill>
+                  <a:srgbClr val="FF0000"/>
+                </a:solidFill>
+              </a:rPr>
+              <a:t>(</a:t>
+            </a:r>
+            <a:r>
+              <a:rPr lang="en-US" dirty="0" err="1">
+                <a:solidFill>
+                  <a:srgbClr val="FF0000"/>
+                </a:solidFill>
+              </a:rPr>
+              <a:t>n_clusters</a:t>
+            </a:r>
+            <a:r>
+              <a:rPr lang="en-US" dirty="0">
+                <a:solidFill>
+                  <a:srgbClr val="FF0000"/>
+                </a:solidFill>
+              </a:rPr>
+              <a:t>=4)</a:t>
+            </a:r>
+            <a:endParaRPr dirty="0">
               <a:solidFill>
                 <a:srgbClr val="FF0000"/>
               </a:solidFill>
@@ -13972,14 +14225,22 @@
               <a:buNone/>
             </a:pPr>
             <a:r>
-              <a:rPr lang="en-US">
+              <a:rPr lang="en-US" dirty="0" err="1">
                 <a:solidFill>
                   <a:schemeClr val="dk1"/>
                 </a:solidFill>
               </a:rPr>
-              <a:t>kmeans.fit(X)</a:t>
-            </a:r>
-            <a:endParaRPr>
+              <a:t>kmeans.fit</a:t>
+            </a:r>
+            <a:r>
+              <a:rPr lang="en-US" dirty="0">
+                <a:solidFill>
+                  <a:schemeClr val="dk1"/>
+                </a:solidFill>
+              </a:rPr>
+              <a:t>(X)</a:t>
+            </a:r>
+            <a:endParaRPr dirty="0">
               <a:solidFill>
                 <a:schemeClr val="dk1"/>
               </a:solidFill>
@@ -13996,14 +14257,38 @@
               <a:buNone/>
             </a:pPr>
             <a:r>
-              <a:rPr lang="en-US">
+              <a:rPr lang="en-US" dirty="0" err="1">
                 <a:solidFill>
                   <a:schemeClr val="dk1"/>
                 </a:solidFill>
               </a:rPr>
-              <a:t>y_kmeans = kmeans.predict(X)</a:t>
-            </a:r>
-            <a:endParaRPr>
+              <a:t>y_kmeans</a:t>
+            </a:r>
+            <a:r>
+              <a:rPr lang="en-US" dirty="0">
+                <a:solidFill>
+                  <a:schemeClr val="dk1"/>
+                </a:solidFill>
+              </a:rPr>
+              <a:t> = </a:t>
+            </a:r>
+            <a:r>
+              <a:rPr lang="en-US" dirty="0" err="1">
+                <a:solidFill>
+                  <a:schemeClr val="dk1"/>
+                </a:solidFill>
+              </a:rPr>
+              <a:t>kmeans.predict</a:t>
+            </a:r>
+            <a:r>
+              <a:rPr lang="en-US" dirty="0">
+                <a:solidFill>
+                  <a:schemeClr val="dk1"/>
+                </a:solidFill>
+              </a:rPr>
+              <a:t>(X)</a:t>
+            </a:r>
+            <a:endParaRPr dirty="0">
               <a:solidFill>
                 <a:schemeClr val="dk1"/>
               </a:solidFill>
@@ -14019,7 +14304,7 @@
               </a:spcAft>
               <a:buNone/>
             </a:pPr>
-            <a:endParaRPr b="1">
+            <a:endParaRPr b="1" dirty="0">
               <a:solidFill>
                 <a:schemeClr val="dk1"/>
               </a:solidFill>
@@ -14036,22 +14321,78 @@
               <a:buNone/>
             </a:pPr>
             <a:r>
-              <a:rPr lang="en-US">
+              <a:rPr lang="en-US" dirty="0" err="1">
                 <a:solidFill>
                   <a:schemeClr val="dk1"/>
                 </a:solidFill>
               </a:rPr>
-              <a:t>plt.scatter(X[:, 0], X[:, 1], c=y_kmeans, s=50, cmap='viridis')</a:t>
+              <a:t>plt.scatter</a:t>
+            </a:r>
+            <a:r>
+              <a:rPr lang="en-US" dirty="0">
+                <a:solidFill>
+                  <a:schemeClr val="dk1"/>
+                </a:solidFill>
+              </a:rPr>
+              <a:t>(X[:, 0], X[:, 1], c=</a:t>
+            </a:r>
+            <a:r>
+              <a:rPr lang="en-US" dirty="0" err="1">
+                <a:solidFill>
+                  <a:schemeClr val="dk1"/>
+                </a:solidFill>
+              </a:rPr>
+              <a:t>y_kmeans</a:t>
+            </a:r>
+            <a:r>
+              <a:rPr lang="en-US" dirty="0">
+                <a:solidFill>
+                  <a:schemeClr val="dk1"/>
+                </a:solidFill>
+              </a:rPr>
+              <a:t>, s=50, </a:t>
+            </a:r>
+            <a:r>
+              <a:rPr lang="en-US" dirty="0" err="1">
+                <a:solidFill>
+                  <a:schemeClr val="dk1"/>
+                </a:solidFill>
+              </a:rPr>
+              <a:t>cmap</a:t>
+            </a:r>
+            <a:r>
+              <a:rPr lang="en-US" dirty="0">
+                <a:solidFill>
+                  <a:schemeClr val="dk1"/>
+                </a:solidFill>
+              </a:rPr>
+              <a:t>='</a:t>
+            </a:r>
+            <a:r>
+              <a:rPr lang="en-US" dirty="0" err="1">
+                <a:solidFill>
+                  <a:schemeClr val="dk1"/>
+                </a:solidFill>
+              </a:rPr>
+              <a:t>viridis</a:t>
+            </a:r>
+            <a:r>
+              <a:rPr lang="en-US" dirty="0">
+                <a:solidFill>
+                  <a:schemeClr val="dk1"/>
+                </a:solidFill>
+              </a:rPr>
+              <a:t>')</a:t>
             </a:r>
             <a:br>
-              <a:rPr lang="en-US">
+              <a:rPr lang="en-US" dirty="0">
                 <a:solidFill>
                   <a:schemeClr val="dk1"/>
                 </a:solidFill>
               </a:rPr>
             </a:br>
             <a:r>
-              <a:rPr lang="en-US">
+              <a:rPr lang="en-US" dirty="0">
                 <a:solidFill>
                   <a:schemeClr val="dk1"/>
                 </a:solidFill>
@@ -14059,36 +14400,52 @@
               <a:t>centers = </a:t>
             </a:r>
             <a:r>
-              <a:rPr lang="en-US">
+              <a:rPr lang="en-US" dirty="0" err="1">
                 <a:solidFill>
                   <a:srgbClr val="FF0000"/>
                 </a:solidFill>
               </a:rPr>
-              <a:t>kmeans.cluster_centers_</a:t>
+              <a:t>kmeans.cluster_centers</a:t>
+            </a:r>
+            <a:r>
+              <a:rPr lang="en-US" dirty="0">
+                <a:solidFill>
+                  <a:srgbClr val="FF0000"/>
+                </a:solidFill>
+              </a:rPr>
+              <a:t>_</a:t>
             </a:r>
             <a:br>
-              <a:rPr lang="en-US">
+              <a:rPr lang="en-US" dirty="0">
                 <a:solidFill>
                   <a:srgbClr val="FF0000"/>
                 </a:solidFill>
               </a:rPr>
             </a:br>
             <a:r>
-              <a:rPr lang="en-US">
+              <a:rPr lang="en-US" dirty="0" err="1">
                 <a:solidFill>
                   <a:schemeClr val="dk1"/>
                 </a:solidFill>
               </a:rPr>
-              <a:t>plt.scatter(centers[:, 0], centers[:, 1], c='black', s=200, alpha=0.5);</a:t>
+              <a:t>plt.scatter</a:t>
+            </a:r>
+            <a:r>
+              <a:rPr lang="en-US" dirty="0">
+                <a:solidFill>
+                  <a:schemeClr val="dk1"/>
+                </a:solidFill>
+              </a:rPr>
+              <a:t>(centers[:, 0], centers[:, 1], c='black', s=200, alpha=0.5);</a:t>
             </a:r>
             <a:br>
-              <a:rPr lang="en-US">
+              <a:rPr lang="en-US" dirty="0">
                 <a:solidFill>
                   <a:schemeClr val="dk1"/>
                 </a:solidFill>
               </a:rPr>
             </a:br>
-            <a:endParaRPr>
+            <a:endParaRPr dirty="0">
               <a:solidFill>
                 <a:schemeClr val="dk1"/>
               </a:solidFill>
@@ -14104,7 +14461,7 @@
               </a:spcAft>
               <a:buNone/>
             </a:pPr>
-            <a:endParaRPr/>
+            <a:endParaRPr dirty="0"/>
           </a:p>
         </p:txBody>
       </p:sp>

--- a/17-unsupervised-learning.pptx
+++ b/17-unsupervised-learning.pptx
@@ -13166,7 +13166,7 @@
             </a:br>
             <a:r>
               <a:rPr lang="en-US" dirty="0" smtClean="0"/>
-              <a:t>* Team members and responsibilities if applicable</a:t>
+              <a:t>* Team members and responsibilities (if applicable, max 3 members)</a:t>
             </a:r>
           </a:p>
         </p:txBody>
@@ -13965,17 +13965,17 @@
           <a:lstStyle/>
           <a:p>
             <a:r>
-              <a:rPr lang="en-US" smtClean="0"/>
+              <a:rPr lang="en-US" dirty="0" smtClean="0"/>
               <a:t>Note: code for the slides is in</a:t>
             </a:r>
             <a:br>
-              <a:rPr lang="en-US" smtClean="0"/>
+              <a:rPr lang="en-US" dirty="0" smtClean="0"/>
             </a:br>
             <a:r>
-              <a:rPr lang="en-US" smtClean="0"/>
+              <a:rPr lang="en-US" dirty="0" smtClean="0"/>
               <a:t>notebook 17a.</a:t>
             </a:r>
-            <a:endParaRPr lang="en-US"/>
+            <a:endParaRPr lang="en-US" dirty="0"/>
           </a:p>
         </p:txBody>
       </p:sp>
